--- a/java_ppt/Jar 파일 배포.pptx
+++ b/java_ppt/Jar 파일 배포.pptx
@@ -5,15 +5,16 @@
     <p:sldMasterId id="2147483648" r:id="rId1"/>
   </p:sldMasterIdLst>
   <p:notesMasterIdLst>
-    <p:notesMasterId r:id="rId8"/>
+    <p:notesMasterId r:id="rId9"/>
   </p:notesMasterIdLst>
   <p:sldIdLst>
     <p:sldId id="256" r:id="rId2"/>
-    <p:sldId id="262" r:id="rId3"/>
-    <p:sldId id="265" r:id="rId4"/>
-    <p:sldId id="261" r:id="rId5"/>
-    <p:sldId id="259" r:id="rId6"/>
-    <p:sldId id="264" r:id="rId7"/>
+    <p:sldId id="261" r:id="rId3"/>
+    <p:sldId id="266" r:id="rId4"/>
+    <p:sldId id="259" r:id="rId5"/>
+    <p:sldId id="267" r:id="rId6"/>
+    <p:sldId id="268" r:id="rId7"/>
+    <p:sldId id="264" r:id="rId8"/>
   </p:sldIdLst>
   <p:sldSz cx="9906000" cy="6858000" type="A4"/>
   <p:notesSz cx="6858000" cy="9144000"/>
@@ -114,7 +115,7 @@
   </p:defaultTextStyle>
   <p:extLst>
     <p:ext uri="{EFAFB233-063F-42B5-8137-9DF3F51BA10A}">
-      <p15:sldGuideLst xmlns:p15="http://schemas.microsoft.com/office/powerpoint/2012/main" xmlns="">
+      <p15:sldGuideLst xmlns:p15="http://schemas.microsoft.com/office/powerpoint/2012/main">
         <p15:guide id="1" orient="horz" pos="2160">
           <p15:clr>
             <a:srgbClr val="A4A3A4"/>
@@ -213,7 +214,7 @@
           <a:p>
             <a:fld id="{7665CDAC-D627-4E87-877A-1B781DD4CADC}" type="datetimeFigureOut">
               <a:rPr lang="ko-KR" altLang="en-US" smtClean="0"/>
-              <a:t>2021-09-05</a:t>
+              <a:t>2023-07-11</a:t>
             </a:fld>
             <a:endParaRPr lang="ko-KR" altLang="en-US"/>
           </a:p>
@@ -630,7 +631,7 @@
           <a:p>
             <a:fld id="{0FADDD8A-FD4C-4C63-90D4-202AFE8080B2}" type="slidenum">
               <a:rPr lang="ko-KR" altLang="en-US" smtClean="0"/>
-              <a:t>4</a:t>
+              <a:t>2</a:t>
             </a:fld>
             <a:endParaRPr lang="ko-KR" altLang="en-US"/>
           </a:p>
@@ -640,6 +641,90 @@
     <p:extLst>
       <p:ext uri="{BB962C8B-B14F-4D97-AF65-F5344CB8AC3E}">
         <p14:creationId xmlns:p14="http://schemas.microsoft.com/office/powerpoint/2010/main" val="1840086554"/>
+      </p:ext>
+    </p:extLst>
+  </p:cSld>
+  <p:clrMapOvr>
+    <a:masterClrMapping/>
+  </p:clrMapOvr>
+</p:notes>
+</file>
+
+<file path=ppt/notesSlides/notesSlide3.xml><?xml version="1.0" encoding="utf-8"?>
+<p:notes xmlns:a="http://schemas.openxmlformats.org/drawingml/2006/main" xmlns:r="http://schemas.openxmlformats.org/officeDocument/2006/relationships" xmlns:p="http://schemas.openxmlformats.org/presentationml/2006/main">
+  <p:cSld>
+    <p:spTree>
+      <p:nvGrpSpPr>
+        <p:cNvPr id="1" name=""/>
+        <p:cNvGrpSpPr/>
+        <p:nvPr/>
+      </p:nvGrpSpPr>
+      <p:grpSpPr>
+        <a:xfrm>
+          <a:off x="0" y="0"/>
+          <a:ext cx="0" cy="0"/>
+          <a:chOff x="0" y="0"/>
+          <a:chExt cx="0" cy="0"/>
+        </a:xfrm>
+      </p:grpSpPr>
+      <p:sp>
+        <p:nvSpPr>
+          <p:cNvPr id="2" name="슬라이드 이미지 개체 틀 1"/>
+          <p:cNvSpPr>
+            <a:spLocks noGrp="1" noRot="1" noChangeAspect="1"/>
+          </p:cNvSpPr>
+          <p:nvPr>
+            <p:ph type="sldImg"/>
+          </p:nvPr>
+        </p:nvSpPr>
+        <p:spPr/>
+      </p:sp>
+      <p:sp>
+        <p:nvSpPr>
+          <p:cNvPr id="3" name="슬라이드 노트 개체 틀 2"/>
+          <p:cNvSpPr>
+            <a:spLocks noGrp="1"/>
+          </p:cNvSpPr>
+          <p:nvPr>
+            <p:ph type="body" idx="1"/>
+          </p:nvPr>
+        </p:nvSpPr>
+        <p:spPr/>
+        <p:txBody>
+          <a:bodyPr/>
+          <a:lstStyle/>
+          <a:p>
+            <a:endParaRPr lang="ko-KR" altLang="en-US" dirty="0"/>
+          </a:p>
+        </p:txBody>
+      </p:sp>
+      <p:sp>
+        <p:nvSpPr>
+          <p:cNvPr id="4" name="슬라이드 번호 개체 틀 3"/>
+          <p:cNvSpPr>
+            <a:spLocks noGrp="1"/>
+          </p:cNvSpPr>
+          <p:nvPr>
+            <p:ph type="sldNum" sz="quarter" idx="10"/>
+          </p:nvPr>
+        </p:nvSpPr>
+        <p:spPr/>
+        <p:txBody>
+          <a:bodyPr/>
+          <a:lstStyle/>
+          <a:p>
+            <a:fld id="{0FADDD8A-FD4C-4C63-90D4-202AFE8080B2}" type="slidenum">
+              <a:rPr lang="ko-KR" altLang="en-US" smtClean="0"/>
+              <a:t>3</a:t>
+            </a:fld>
+            <a:endParaRPr lang="ko-KR" altLang="en-US"/>
+          </a:p>
+        </p:txBody>
+      </p:sp>
+    </p:spTree>
+    <p:extLst>
+      <p:ext uri="{BB962C8B-B14F-4D97-AF65-F5344CB8AC3E}">
+        <p14:creationId xmlns:p14="http://schemas.microsoft.com/office/powerpoint/2010/main" val="1455208920"/>
       </p:ext>
     </p:extLst>
   </p:cSld>
@@ -835,7 +920,7 @@
           <a:p>
             <a:fld id="{F4AC81B4-D91A-4578-85B3-829E63FCFE17}" type="datetime1">
               <a:rPr lang="ko-KR" altLang="en-US" smtClean="0"/>
-              <a:t>2021-09-05</a:t>
+              <a:t>2023-07-11</a:t>
             </a:fld>
             <a:endParaRPr lang="ko-KR" altLang="en-US"/>
           </a:p>
@@ -1210,7 +1295,7 @@
           <a:p>
             <a:fld id="{F5B77542-37E5-48F2-BAE7-80CC6B0EB6A3}" type="datetime1">
               <a:rPr lang="ko-KR" altLang="en-US" smtClean="0"/>
-              <a:t>2021-09-05</a:t>
+              <a:t>2023-07-11</a:t>
             </a:fld>
             <a:endParaRPr lang="ko-KR" altLang="en-US"/>
           </a:p>
@@ -1390,7 +1475,7 @@
           <a:p>
             <a:fld id="{227CF174-B5AC-4A98-B673-0BE8126D3F27}" type="datetime1">
               <a:rPr lang="ko-KR" altLang="en-US" smtClean="0"/>
-              <a:t>2021-09-05</a:t>
+              <a:t>2023-07-11</a:t>
             </a:fld>
             <a:endParaRPr lang="ko-KR" altLang="en-US"/>
           </a:p>
@@ -1564,7 +1649,7 @@
           <a:p>
             <a:fld id="{E20FDEC8-1339-42E8-9704-2977280C2FD3}" type="datetime1">
               <a:rPr lang="ko-KR" altLang="en-US" smtClean="0"/>
-              <a:t>2021-09-05</a:t>
+              <a:t>2023-07-11</a:t>
             </a:fld>
             <a:endParaRPr lang="ko-KR" altLang="en-US"/>
           </a:p>
@@ -1810,7 +1895,7 @@
           <a:p>
             <a:fld id="{4D18DC76-A282-4817-B790-197F054E1215}" type="datetime1">
               <a:rPr lang="ko-KR" altLang="en-US" smtClean="0"/>
-              <a:t>2021-09-05</a:t>
+              <a:t>2023-07-11</a:t>
             </a:fld>
             <a:endParaRPr lang="ko-KR" altLang="en-US"/>
           </a:p>
@@ -2098,7 +2183,7 @@
           <a:p>
             <a:fld id="{6680AA6C-13D8-43E4-90F0-E6C88A2B9F16}" type="datetime1">
               <a:rPr lang="ko-KR" altLang="en-US" smtClean="0"/>
-              <a:t>2021-09-05</a:t>
+              <a:t>2023-07-11</a:t>
             </a:fld>
             <a:endParaRPr lang="ko-KR" altLang="en-US"/>
           </a:p>
@@ -2520,7 +2605,7 @@
           <a:p>
             <a:fld id="{3EF5B03B-20CC-436E-8601-C933C6C1F4A6}" type="datetime1">
               <a:rPr lang="ko-KR" altLang="en-US" smtClean="0"/>
-              <a:t>2021-09-05</a:t>
+              <a:t>2023-07-11</a:t>
             </a:fld>
             <a:endParaRPr lang="ko-KR" altLang="en-US"/>
           </a:p>
@@ -2638,7 +2723,7 @@
           <a:p>
             <a:fld id="{87B5A15D-8B08-482F-AB47-E416EC355EB6}" type="datetime1">
               <a:rPr lang="ko-KR" altLang="en-US" smtClean="0"/>
-              <a:t>2021-09-05</a:t>
+              <a:t>2023-07-11</a:t>
             </a:fld>
             <a:endParaRPr lang="ko-KR" altLang="en-US"/>
           </a:p>
@@ -2733,7 +2818,7 @@
           <a:p>
             <a:fld id="{A877D7F8-7B64-44F8-A411-CBD22F28CBFF}" type="datetime1">
               <a:rPr lang="ko-KR" altLang="en-US" smtClean="0"/>
-              <a:t>2021-09-05</a:t>
+              <a:t>2023-07-11</a:t>
             </a:fld>
             <a:endParaRPr lang="ko-KR" altLang="en-US"/>
           </a:p>
@@ -3010,7 +3095,7 @@
           <a:p>
             <a:fld id="{E12DBD9B-2BB6-4D1F-BCB4-1E48829C93C3}" type="datetime1">
               <a:rPr lang="ko-KR" altLang="en-US" smtClean="0"/>
-              <a:t>2021-09-05</a:t>
+              <a:t>2023-07-11</a:t>
             </a:fld>
             <a:endParaRPr lang="ko-KR" altLang="en-US"/>
           </a:p>
@@ -3263,7 +3348,7 @@
           <a:p>
             <a:fld id="{17564C48-0CD7-40EB-BE64-BBF4DB8C56AF}" type="datetime1">
               <a:rPr lang="ko-KR" altLang="en-US" smtClean="0"/>
-              <a:t>2021-09-05</a:t>
+              <a:t>2023-07-11</a:t>
             </a:fld>
             <a:endParaRPr lang="ko-KR" altLang="en-US"/>
           </a:p>
@@ -3443,7 +3528,7 @@
           <a:p>
             <a:fld id="{C116BCB4-B68B-4638-8167-F4BDC0A30DA1}" type="datetime1">
               <a:rPr lang="ko-KR" altLang="en-US" smtClean="0"/>
-              <a:t>2021-09-05</a:t>
+              <a:t>2023-07-11</a:t>
             </a:fld>
             <a:endParaRPr lang="ko-KR" altLang="en-US"/>
           </a:p>
@@ -4210,6 +4295,962 @@
       </p:grpSpPr>
       <p:sp>
         <p:nvSpPr>
+          <p:cNvPr id="9" name="TextBox 8">
+            <a:extLst>
+              <a:ext uri="{FF2B5EF4-FFF2-40B4-BE49-F238E27FC236}">
+                <a16:creationId xmlns:a16="http://schemas.microsoft.com/office/drawing/2014/main" id="{FBC4D108-EBD0-4484-B4A7-60CD81DEA957}"/>
+              </a:ext>
+            </a:extLst>
+          </p:cNvPr>
+          <p:cNvSpPr txBox="1"/>
+          <p:nvPr/>
+        </p:nvSpPr>
+        <p:spPr>
+          <a:xfrm>
+            <a:off x="678284" y="1072884"/>
+            <a:ext cx="8667204" cy="969496"/>
+          </a:xfrm>
+          <a:prstGeom prst="rect">
+            <a:avLst/>
+          </a:prstGeom>
+          <a:noFill/>
+        </p:spPr>
+        <p:txBody>
+          <a:bodyPr wrap="square" rtlCol="0">
+            <a:spAutoFit/>
+          </a:bodyPr>
+          <a:lstStyle/>
+          <a:p>
+            <a:pPr marL="285750" indent="-285750">
+              <a:lnSpc>
+                <a:spcPct val="150000"/>
+              </a:lnSpc>
+              <a:buFont typeface="Wingdings" panose="05000000000000000000" pitchFamily="2" charset="2"/>
+              <a:buChar char="l"/>
+            </a:pPr>
+            <a:r>
+              <a:rPr lang="en-US" altLang="ko-KR" sz="2000" b="1" dirty="0" smtClean="0"/>
+              <a:t>Jar</a:t>
+            </a:r>
+            <a:r>
+              <a:rPr lang="ko-KR" altLang="en-US" sz="2000" b="1" dirty="0"/>
+              <a:t>파일 만들기</a:t>
+            </a:r>
+            <a:endParaRPr lang="en-US" altLang="ko-KR" sz="2000" b="1" dirty="0"/>
+          </a:p>
+          <a:p>
+            <a:pPr marL="371475" lvl="1">
+              <a:lnSpc>
+                <a:spcPct val="150000"/>
+              </a:lnSpc>
+            </a:pPr>
+            <a:r>
+              <a:rPr lang="ko-KR" altLang="en-US" b="1" dirty="0"/>
+              <a:t>프로젝트 이름 </a:t>
+            </a:r>
+            <a:r>
+              <a:rPr lang="en-US" altLang="ko-KR" b="1" dirty="0"/>
+              <a:t>– </a:t>
+            </a:r>
+            <a:r>
+              <a:rPr lang="ko-KR" altLang="en-US" b="1" dirty="0"/>
+              <a:t>우측마우스 </a:t>
+            </a:r>
+            <a:r>
+              <a:rPr lang="en-US" altLang="ko-KR" b="1" dirty="0"/>
+              <a:t>– Export </a:t>
+            </a:r>
+            <a:r>
+              <a:rPr lang="en-US" altLang="ko-KR" b="1" dirty="0" smtClean="0"/>
+              <a:t>– java </a:t>
+            </a:r>
+            <a:r>
+              <a:rPr lang="en-US" altLang="ko-KR" b="1" dirty="0"/>
+              <a:t>– </a:t>
+            </a:r>
+            <a:r>
+              <a:rPr lang="en-US" altLang="ko-KR" b="1" dirty="0" smtClean="0"/>
+              <a:t>Runnable JAR file</a:t>
+            </a:r>
+            <a:endParaRPr lang="en-US" altLang="ko-KR" b="1" dirty="0"/>
+          </a:p>
+        </p:txBody>
+      </p:sp>
+      <p:grpSp>
+        <p:nvGrpSpPr>
+          <p:cNvPr id="12" name="그룹 11"/>
+          <p:cNvGrpSpPr/>
+          <p:nvPr/>
+        </p:nvGrpSpPr>
+        <p:grpSpPr>
+          <a:xfrm>
+            <a:off x="2144688" y="2073212"/>
+            <a:ext cx="4496190" cy="3985605"/>
+            <a:chOff x="1928664" y="2132856"/>
+            <a:chExt cx="4496190" cy="3985605"/>
+          </a:xfrm>
+        </p:grpSpPr>
+        <p:pic>
+          <p:nvPicPr>
+            <p:cNvPr id="4" name="그림 3"/>
+            <p:cNvPicPr>
+              <a:picLocks noChangeAspect="1"/>
+            </p:cNvPicPr>
+            <p:nvPr/>
+          </p:nvPicPr>
+          <p:blipFill>
+            <a:blip r:embed="rId3">
+              <a:extLst>
+                <a:ext uri="{28A0092B-C50C-407E-A947-70E740481C1C}">
+                  <a14:useLocalDpi xmlns:a14="http://schemas.microsoft.com/office/drawing/2010/main" val="0"/>
+                </a:ext>
+              </a:extLst>
+            </a:blip>
+            <a:stretch>
+              <a:fillRect/>
+            </a:stretch>
+          </p:blipFill>
+          <p:spPr>
+            <a:xfrm>
+              <a:off x="1928664" y="2132856"/>
+              <a:ext cx="4496190" cy="3985605"/>
+            </a:xfrm>
+            <a:prstGeom prst="rect">
+              <a:avLst/>
+            </a:prstGeom>
+          </p:spPr>
+        </p:pic>
+        <p:sp>
+          <p:nvSpPr>
+            <p:cNvPr id="6" name="사각형: 둥근 모서리 5">
+              <a:extLst>
+                <a:ext uri="{FF2B5EF4-FFF2-40B4-BE49-F238E27FC236}">
+                  <a16:creationId xmlns:a16="http://schemas.microsoft.com/office/drawing/2014/main" id="{7DA0A7D0-9973-478D-8AC2-0E534F8EA7F6}"/>
+                </a:ext>
+              </a:extLst>
+            </p:cNvPr>
+            <p:cNvSpPr/>
+            <p:nvPr/>
+          </p:nvSpPr>
+          <p:spPr>
+            <a:xfrm>
+              <a:off x="2176382" y="4711872"/>
+              <a:ext cx="1368152" cy="247764"/>
+            </a:xfrm>
+            <a:prstGeom prst="roundRect">
+              <a:avLst/>
+            </a:prstGeom>
+            <a:noFill/>
+            <a:ln>
+              <a:solidFill>
+                <a:srgbClr val="C00000"/>
+              </a:solidFill>
+              <a:prstDash val="sysDash"/>
+            </a:ln>
+          </p:spPr>
+          <p:style>
+            <a:lnRef idx="2">
+              <a:schemeClr val="accent1">
+                <a:shade val="50000"/>
+              </a:schemeClr>
+            </a:lnRef>
+            <a:fillRef idx="1">
+              <a:schemeClr val="accent1"/>
+            </a:fillRef>
+            <a:effectRef idx="0">
+              <a:schemeClr val="accent1"/>
+            </a:effectRef>
+            <a:fontRef idx="minor">
+              <a:schemeClr val="lt1"/>
+            </a:fontRef>
+          </p:style>
+          <p:txBody>
+            <a:bodyPr rtlCol="0" anchor="ctr"/>
+            <a:lstStyle/>
+            <a:p>
+              <a:pPr algn="ctr"/>
+              <a:endParaRPr lang="ko-KR" altLang="en-US" sz="1463"/>
+            </a:p>
+          </p:txBody>
+        </p:sp>
+        <p:sp>
+          <p:nvSpPr>
+            <p:cNvPr id="7" name="TextBox 6">
+              <a:extLst>
+                <a:ext uri="{FF2B5EF4-FFF2-40B4-BE49-F238E27FC236}">
+                  <a16:creationId xmlns:a16="http://schemas.microsoft.com/office/drawing/2014/main" id="{D46DD618-61E0-4F40-B204-242CFAF546A3}"/>
+                </a:ext>
+              </a:extLst>
+            </p:cNvPr>
+            <p:cNvSpPr txBox="1"/>
+            <p:nvPr/>
+          </p:nvSpPr>
+          <p:spPr>
+            <a:xfrm>
+              <a:off x="3661451" y="4642177"/>
+              <a:ext cx="907394" cy="317459"/>
+            </a:xfrm>
+            <a:prstGeom prst="rect">
+              <a:avLst/>
+            </a:prstGeom>
+            <a:noFill/>
+          </p:spPr>
+          <p:txBody>
+            <a:bodyPr wrap="square" rtlCol="0">
+              <a:spAutoFit/>
+            </a:bodyPr>
+            <a:lstStyle/>
+            <a:p>
+              <a:r>
+                <a:rPr lang="ko-KR" altLang="en-US" sz="1463" dirty="0" smtClean="0">
+                  <a:solidFill>
+                    <a:srgbClr val="C00000"/>
+                  </a:solidFill>
+                </a:rPr>
+                <a:t>① 선택</a:t>
+              </a:r>
+              <a:endParaRPr lang="ko-KR" altLang="en-US" sz="1463" dirty="0">
+                <a:solidFill>
+                  <a:srgbClr val="C00000"/>
+                </a:solidFill>
+              </a:endParaRPr>
+            </a:p>
+          </p:txBody>
+        </p:sp>
+      </p:grpSp>
+      <p:sp>
+        <p:nvSpPr>
+          <p:cNvPr id="3" name="제목 2"/>
+          <p:cNvSpPr>
+            <a:spLocks noGrp="1"/>
+          </p:cNvSpPr>
+          <p:nvPr>
+            <p:ph type="title"/>
+          </p:nvPr>
+        </p:nvSpPr>
+        <p:spPr/>
+        <p:txBody>
+          <a:bodyPr/>
+          <a:lstStyle/>
+          <a:p>
+            <a:r>
+              <a:rPr lang="en-US" altLang="ko-KR" dirty="0" smtClean="0"/>
+              <a:t>  exchangeRate.jar </a:t>
+            </a:r>
+            <a:r>
+              <a:rPr lang="ko-KR" altLang="en-US" dirty="0" smtClean="0"/>
+              <a:t>배포</a:t>
+            </a:r>
+            <a:endParaRPr lang="ko-KR" altLang="en-US" dirty="0"/>
+          </a:p>
+        </p:txBody>
+      </p:sp>
+    </p:spTree>
+    <p:extLst>
+      <p:ext uri="{BB962C8B-B14F-4D97-AF65-F5344CB8AC3E}">
+        <p14:creationId xmlns:p14="http://schemas.microsoft.com/office/powerpoint/2010/main" val="1061072525"/>
+      </p:ext>
+    </p:extLst>
+  </p:cSld>
+  <p:clrMapOvr>
+    <a:masterClrMapping/>
+  </p:clrMapOvr>
+  <p:timing>
+    <p:tnLst>
+      <p:par>
+        <p:cTn id="1" dur="indefinite" restart="never" nodeType="tmRoot"/>
+      </p:par>
+    </p:tnLst>
+  </p:timing>
+</p:sld>
+</file>
+
+<file path=ppt/slides/slide3.xml><?xml version="1.0" encoding="utf-8"?>
+<p:sld xmlns:a="http://schemas.openxmlformats.org/drawingml/2006/main" xmlns:r="http://schemas.openxmlformats.org/officeDocument/2006/relationships" xmlns:p="http://schemas.openxmlformats.org/presentationml/2006/main">
+  <p:cSld>
+    <p:spTree>
+      <p:nvGrpSpPr>
+        <p:cNvPr id="1" name=""/>
+        <p:cNvGrpSpPr/>
+        <p:nvPr/>
+      </p:nvGrpSpPr>
+      <p:grpSpPr>
+        <a:xfrm>
+          <a:off x="0" y="0"/>
+          <a:ext cx="0" cy="0"/>
+          <a:chOff x="0" y="0"/>
+          <a:chExt cx="0" cy="0"/>
+        </a:xfrm>
+      </p:grpSpPr>
+      <p:sp>
+        <p:nvSpPr>
+          <p:cNvPr id="9" name="TextBox 8">
+            <a:extLst>
+              <a:ext uri="{FF2B5EF4-FFF2-40B4-BE49-F238E27FC236}">
+                <a16:creationId xmlns:a16="http://schemas.microsoft.com/office/drawing/2014/main" id="{FBC4D108-EBD0-4484-B4A7-60CD81DEA957}"/>
+              </a:ext>
+            </a:extLst>
+          </p:cNvPr>
+          <p:cNvSpPr txBox="1"/>
+          <p:nvPr/>
+        </p:nvSpPr>
+        <p:spPr>
+          <a:xfrm>
+            <a:off x="678284" y="1072884"/>
+            <a:ext cx="8667204" cy="969496"/>
+          </a:xfrm>
+          <a:prstGeom prst="rect">
+            <a:avLst/>
+          </a:prstGeom>
+          <a:noFill/>
+        </p:spPr>
+        <p:txBody>
+          <a:bodyPr wrap="square" rtlCol="0">
+            <a:spAutoFit/>
+          </a:bodyPr>
+          <a:lstStyle/>
+          <a:p>
+            <a:pPr marL="285750" indent="-285750">
+              <a:lnSpc>
+                <a:spcPct val="150000"/>
+              </a:lnSpc>
+              <a:buFont typeface="Wingdings" panose="05000000000000000000" pitchFamily="2" charset="2"/>
+              <a:buChar char="l"/>
+            </a:pPr>
+            <a:r>
+              <a:rPr lang="en-US" altLang="ko-KR" sz="2000" b="1" dirty="0" smtClean="0"/>
+              <a:t>Jar</a:t>
+            </a:r>
+            <a:r>
+              <a:rPr lang="ko-KR" altLang="en-US" sz="2000" b="1" dirty="0"/>
+              <a:t>파일 만들기</a:t>
+            </a:r>
+            <a:endParaRPr lang="en-US" altLang="ko-KR" sz="2000" b="1" dirty="0"/>
+          </a:p>
+          <a:p>
+            <a:pPr marL="371475" lvl="1">
+              <a:lnSpc>
+                <a:spcPct val="150000"/>
+              </a:lnSpc>
+            </a:pPr>
+            <a:r>
+              <a:rPr lang="ko-KR" altLang="en-US" b="1" dirty="0"/>
+              <a:t>프로젝트 이름 </a:t>
+            </a:r>
+            <a:r>
+              <a:rPr lang="en-US" altLang="ko-KR" b="1" dirty="0"/>
+              <a:t>– </a:t>
+            </a:r>
+            <a:r>
+              <a:rPr lang="ko-KR" altLang="en-US" b="1" dirty="0"/>
+              <a:t>우측마우스 </a:t>
+            </a:r>
+            <a:r>
+              <a:rPr lang="en-US" altLang="ko-KR" b="1" dirty="0"/>
+              <a:t>– Export </a:t>
+            </a:r>
+            <a:r>
+              <a:rPr lang="en-US" altLang="ko-KR" b="1" dirty="0" smtClean="0"/>
+              <a:t>– java </a:t>
+            </a:r>
+            <a:r>
+              <a:rPr lang="en-US" altLang="ko-KR" b="1" dirty="0"/>
+              <a:t>– </a:t>
+            </a:r>
+            <a:r>
+              <a:rPr lang="en-US" altLang="ko-KR" b="1" dirty="0" smtClean="0"/>
+              <a:t>Runnable JAR file</a:t>
+            </a:r>
+            <a:endParaRPr lang="en-US" altLang="ko-KR" b="1" dirty="0"/>
+          </a:p>
+        </p:txBody>
+      </p:sp>
+      <p:sp>
+        <p:nvSpPr>
+          <p:cNvPr id="3" name="제목 2"/>
+          <p:cNvSpPr>
+            <a:spLocks noGrp="1"/>
+          </p:cNvSpPr>
+          <p:nvPr>
+            <p:ph type="title"/>
+          </p:nvPr>
+        </p:nvSpPr>
+        <p:spPr/>
+        <p:txBody>
+          <a:bodyPr/>
+          <a:lstStyle/>
+          <a:p>
+            <a:r>
+              <a:rPr lang="en-US" altLang="ko-KR" dirty="0" smtClean="0"/>
+              <a:t>  exchangeRate.jar </a:t>
+            </a:r>
+            <a:r>
+              <a:rPr lang="ko-KR" altLang="en-US" dirty="0" smtClean="0"/>
+              <a:t>배포</a:t>
+            </a:r>
+            <a:endParaRPr lang="ko-KR" altLang="en-US" dirty="0"/>
+          </a:p>
+        </p:txBody>
+      </p:sp>
+      <p:grpSp>
+        <p:nvGrpSpPr>
+          <p:cNvPr id="8" name="그룹 7"/>
+          <p:cNvGrpSpPr/>
+          <p:nvPr/>
+        </p:nvGrpSpPr>
+        <p:grpSpPr>
+          <a:xfrm>
+            <a:off x="2144688" y="2069560"/>
+            <a:ext cx="4584271" cy="4168501"/>
+            <a:chOff x="1352599" y="2049885"/>
+            <a:chExt cx="4584271" cy="4168501"/>
+          </a:xfrm>
+        </p:grpSpPr>
+        <p:pic>
+          <p:nvPicPr>
+            <p:cNvPr id="5" name="그림 4"/>
+            <p:cNvPicPr>
+              <a:picLocks noChangeAspect="1"/>
+            </p:cNvPicPr>
+            <p:nvPr/>
+          </p:nvPicPr>
+          <p:blipFill>
+            <a:blip r:embed="rId3">
+              <a:extLst>
+                <a:ext uri="{28A0092B-C50C-407E-A947-70E740481C1C}">
+                  <a14:useLocalDpi xmlns:a14="http://schemas.microsoft.com/office/drawing/2010/main" val="0"/>
+                </a:ext>
+              </a:extLst>
+            </a:blip>
+            <a:stretch>
+              <a:fillRect/>
+            </a:stretch>
+          </p:blipFill>
+          <p:spPr>
+            <a:xfrm>
+              <a:off x="1501646" y="2049885"/>
+              <a:ext cx="4435224" cy="4168501"/>
+            </a:xfrm>
+            <a:prstGeom prst="rect">
+              <a:avLst/>
+            </a:prstGeom>
+          </p:spPr>
+        </p:pic>
+        <p:sp>
+          <p:nvSpPr>
+            <p:cNvPr id="10" name="사각형: 둥근 모서리 9">
+              <a:extLst>
+                <a:ext uri="{FF2B5EF4-FFF2-40B4-BE49-F238E27FC236}">
+                  <a16:creationId xmlns:a16="http://schemas.microsoft.com/office/drawing/2014/main" id="{4A5CE167-0EE4-46C4-A7D1-10977995114E}"/>
+                </a:ext>
+              </a:extLst>
+            </p:cNvPr>
+            <p:cNvSpPr/>
+            <p:nvPr/>
+          </p:nvSpPr>
+          <p:spPr>
+            <a:xfrm>
+              <a:off x="1352600" y="3140968"/>
+              <a:ext cx="1584176" cy="360040"/>
+            </a:xfrm>
+            <a:prstGeom prst="roundRect">
+              <a:avLst/>
+            </a:prstGeom>
+            <a:noFill/>
+            <a:ln>
+              <a:solidFill>
+                <a:srgbClr val="C00000"/>
+              </a:solidFill>
+              <a:prstDash val="sysDash"/>
+            </a:ln>
+          </p:spPr>
+          <p:style>
+            <a:lnRef idx="2">
+              <a:schemeClr val="accent1">
+                <a:shade val="50000"/>
+              </a:schemeClr>
+            </a:lnRef>
+            <a:fillRef idx="1">
+              <a:schemeClr val="accent1"/>
+            </a:fillRef>
+            <a:effectRef idx="0">
+              <a:schemeClr val="accent1"/>
+            </a:effectRef>
+            <a:fontRef idx="minor">
+              <a:schemeClr val="lt1"/>
+            </a:fontRef>
+          </p:style>
+          <p:txBody>
+            <a:bodyPr rtlCol="0" anchor="ctr"/>
+            <a:lstStyle/>
+            <a:p>
+              <a:pPr algn="ctr"/>
+              <a:endParaRPr lang="ko-KR" altLang="en-US" sz="1463"/>
+            </a:p>
+          </p:txBody>
+        </p:sp>
+        <p:sp>
+          <p:nvSpPr>
+            <p:cNvPr id="11" name="TextBox 10">
+              <a:extLst>
+                <a:ext uri="{FF2B5EF4-FFF2-40B4-BE49-F238E27FC236}">
+                  <a16:creationId xmlns:a16="http://schemas.microsoft.com/office/drawing/2014/main" id="{B4CBA4CB-1850-4BEE-B85B-1E0EB9C23827}"/>
+                </a:ext>
+              </a:extLst>
+            </p:cNvPr>
+            <p:cNvSpPr txBox="1"/>
+            <p:nvPr/>
+          </p:nvSpPr>
+          <p:spPr>
+            <a:xfrm>
+              <a:off x="3589878" y="3647176"/>
+              <a:ext cx="931074" cy="317459"/>
+            </a:xfrm>
+            <a:prstGeom prst="rect">
+              <a:avLst/>
+            </a:prstGeom>
+            <a:noFill/>
+          </p:spPr>
+          <p:txBody>
+            <a:bodyPr wrap="square" rtlCol="0">
+              <a:spAutoFit/>
+            </a:bodyPr>
+            <a:lstStyle/>
+            <a:p>
+              <a:r>
+                <a:rPr lang="ko-KR" altLang="en-US" sz="1463" smtClean="0">
+                  <a:solidFill>
+                    <a:srgbClr val="C00000"/>
+                  </a:solidFill>
+                </a:rPr>
+                <a:t>② </a:t>
+              </a:r>
+              <a:r>
+                <a:rPr lang="ko-KR" altLang="en-US" sz="1400" smtClean="0">
+                  <a:solidFill>
+                    <a:srgbClr val="C00000"/>
+                  </a:solidFill>
+                </a:rPr>
+                <a:t>저장</a:t>
+              </a:r>
+              <a:endParaRPr lang="ko-KR" altLang="en-US" sz="1400" dirty="0">
+                <a:solidFill>
+                  <a:srgbClr val="C00000"/>
+                </a:solidFill>
+              </a:endParaRPr>
+            </a:p>
+          </p:txBody>
+        </p:sp>
+        <p:sp>
+          <p:nvSpPr>
+            <p:cNvPr id="21" name="사각형: 둥근 모서리 20">
+              <a:extLst>
+                <a:ext uri="{FF2B5EF4-FFF2-40B4-BE49-F238E27FC236}">
+                  <a16:creationId xmlns:a16="http://schemas.microsoft.com/office/drawing/2014/main" id="{4B1F5F0F-9BA0-4481-9F91-2FE1194C80F7}"/>
+                </a:ext>
+              </a:extLst>
+            </p:cNvPr>
+            <p:cNvSpPr/>
+            <p:nvPr/>
+          </p:nvSpPr>
+          <p:spPr>
+            <a:xfrm>
+              <a:off x="1352600" y="4302036"/>
+              <a:ext cx="2932551" cy="265826"/>
+            </a:xfrm>
+            <a:prstGeom prst="roundRect">
+              <a:avLst/>
+            </a:prstGeom>
+            <a:noFill/>
+            <a:ln>
+              <a:solidFill>
+                <a:srgbClr val="C00000"/>
+              </a:solidFill>
+              <a:prstDash val="sysDash"/>
+            </a:ln>
+          </p:spPr>
+          <p:style>
+            <a:lnRef idx="2">
+              <a:schemeClr val="accent1">
+                <a:shade val="50000"/>
+              </a:schemeClr>
+            </a:lnRef>
+            <a:fillRef idx="1">
+              <a:schemeClr val="accent1"/>
+            </a:fillRef>
+            <a:effectRef idx="0">
+              <a:schemeClr val="accent1"/>
+            </a:effectRef>
+            <a:fontRef idx="minor">
+              <a:schemeClr val="lt1"/>
+            </a:fontRef>
+          </p:style>
+          <p:txBody>
+            <a:bodyPr rtlCol="0" anchor="ctr"/>
+            <a:lstStyle/>
+            <a:p>
+              <a:pPr algn="ctr"/>
+              <a:endParaRPr lang="ko-KR" altLang="en-US" sz="1463"/>
+            </a:p>
+          </p:txBody>
+        </p:sp>
+        <p:sp>
+          <p:nvSpPr>
+            <p:cNvPr id="22" name="TextBox 21">
+              <a:extLst>
+                <a:ext uri="{FF2B5EF4-FFF2-40B4-BE49-F238E27FC236}">
+                  <a16:creationId xmlns:a16="http://schemas.microsoft.com/office/drawing/2014/main" id="{A51F743E-9E23-49EA-803E-E3F5A0CA8B5B}"/>
+                </a:ext>
+              </a:extLst>
+            </p:cNvPr>
+            <p:cNvSpPr txBox="1"/>
+            <p:nvPr/>
+          </p:nvSpPr>
+          <p:spPr>
+            <a:xfrm>
+              <a:off x="4434197" y="4250403"/>
+              <a:ext cx="903322" cy="317459"/>
+            </a:xfrm>
+            <a:prstGeom prst="rect">
+              <a:avLst/>
+            </a:prstGeom>
+            <a:noFill/>
+          </p:spPr>
+          <p:txBody>
+            <a:bodyPr wrap="square" rtlCol="0">
+              <a:spAutoFit/>
+            </a:bodyPr>
+            <a:lstStyle/>
+            <a:p>
+              <a:r>
+                <a:rPr lang="ko-KR" altLang="en-US" sz="1463" dirty="0" smtClean="0">
+                  <a:solidFill>
+                    <a:srgbClr val="C00000"/>
+                  </a:solidFill>
+                </a:rPr>
+                <a:t>③ </a:t>
+              </a:r>
+              <a:r>
+                <a:rPr lang="ko-KR" altLang="en-US" sz="1463" dirty="0" smtClean="0">
+                  <a:solidFill>
+                    <a:srgbClr val="C00000"/>
+                  </a:solidFill>
+                </a:rPr>
+                <a:t>체크</a:t>
+              </a:r>
+              <a:endParaRPr lang="ko-KR" altLang="en-US" sz="1463" dirty="0">
+                <a:solidFill>
+                  <a:srgbClr val="C00000"/>
+                </a:solidFill>
+              </a:endParaRPr>
+            </a:p>
+          </p:txBody>
+        </p:sp>
+        <p:sp>
+          <p:nvSpPr>
+            <p:cNvPr id="13" name="TextBox 12">
+              <a:extLst>
+                <a:ext uri="{FF2B5EF4-FFF2-40B4-BE49-F238E27FC236}">
+                  <a16:creationId xmlns:a16="http://schemas.microsoft.com/office/drawing/2014/main" id="{D46DD618-61E0-4F40-B204-242CFAF546A3}"/>
+                </a:ext>
+              </a:extLst>
+            </p:cNvPr>
+            <p:cNvSpPr txBox="1"/>
+            <p:nvPr/>
+          </p:nvSpPr>
+          <p:spPr>
+            <a:xfrm>
+              <a:off x="3075732" y="3121597"/>
+              <a:ext cx="907394" cy="317459"/>
+            </a:xfrm>
+            <a:prstGeom prst="rect">
+              <a:avLst/>
+            </a:prstGeom>
+            <a:noFill/>
+          </p:spPr>
+          <p:txBody>
+            <a:bodyPr wrap="square" rtlCol="0">
+              <a:spAutoFit/>
+            </a:bodyPr>
+            <a:lstStyle/>
+            <a:p>
+              <a:r>
+                <a:rPr lang="ko-KR" altLang="en-US" sz="1463" dirty="0" smtClean="0">
+                  <a:solidFill>
+                    <a:srgbClr val="C00000"/>
+                  </a:solidFill>
+                </a:rPr>
+                <a:t>① 선택</a:t>
+              </a:r>
+              <a:endParaRPr lang="ko-KR" altLang="en-US" sz="1463" dirty="0">
+                <a:solidFill>
+                  <a:srgbClr val="C00000"/>
+                </a:solidFill>
+              </a:endParaRPr>
+            </a:p>
+          </p:txBody>
+        </p:sp>
+        <p:sp>
+          <p:nvSpPr>
+            <p:cNvPr id="14" name="사각형: 둥근 모서리 20">
+              <a:extLst>
+                <a:ext uri="{FF2B5EF4-FFF2-40B4-BE49-F238E27FC236}">
+                  <a16:creationId xmlns:a16="http://schemas.microsoft.com/office/drawing/2014/main" id="{4B1F5F0F-9BA0-4481-9F91-2FE1194C80F7}"/>
+                </a:ext>
+              </a:extLst>
+            </p:cNvPr>
+            <p:cNvSpPr/>
+            <p:nvPr/>
+          </p:nvSpPr>
+          <p:spPr>
+            <a:xfrm>
+              <a:off x="1352599" y="3657606"/>
+              <a:ext cx="2088233" cy="314551"/>
+            </a:xfrm>
+            <a:prstGeom prst="roundRect">
+              <a:avLst/>
+            </a:prstGeom>
+            <a:noFill/>
+            <a:ln>
+              <a:solidFill>
+                <a:srgbClr val="C00000"/>
+              </a:solidFill>
+              <a:prstDash val="sysDash"/>
+            </a:ln>
+          </p:spPr>
+          <p:style>
+            <a:lnRef idx="2">
+              <a:schemeClr val="accent1">
+                <a:shade val="50000"/>
+              </a:schemeClr>
+            </a:lnRef>
+            <a:fillRef idx="1">
+              <a:schemeClr val="accent1"/>
+            </a:fillRef>
+            <a:effectRef idx="0">
+              <a:schemeClr val="accent1"/>
+            </a:effectRef>
+            <a:fontRef idx="minor">
+              <a:schemeClr val="lt1"/>
+            </a:fontRef>
+          </p:style>
+          <p:txBody>
+            <a:bodyPr rtlCol="0" anchor="ctr"/>
+            <a:lstStyle/>
+            <a:p>
+              <a:pPr algn="ctr"/>
+              <a:endParaRPr lang="ko-KR" altLang="en-US" sz="1463"/>
+            </a:p>
+          </p:txBody>
+        </p:sp>
+      </p:grpSp>
+    </p:spTree>
+    <p:extLst>
+      <p:ext uri="{BB962C8B-B14F-4D97-AF65-F5344CB8AC3E}">
+        <p14:creationId xmlns:p14="http://schemas.microsoft.com/office/powerpoint/2010/main" val="2083290533"/>
+      </p:ext>
+    </p:extLst>
+  </p:cSld>
+  <p:clrMapOvr>
+    <a:masterClrMapping/>
+  </p:clrMapOvr>
+  <p:timing>
+    <p:tnLst>
+      <p:par>
+        <p:cTn id="1" dur="indefinite" restart="never" nodeType="tmRoot"/>
+      </p:par>
+    </p:tnLst>
+  </p:timing>
+</p:sld>
+</file>
+
+<file path=ppt/slides/slide4.xml><?xml version="1.0" encoding="utf-8"?>
+<p:sld xmlns:a="http://schemas.openxmlformats.org/drawingml/2006/main" xmlns:r="http://schemas.openxmlformats.org/officeDocument/2006/relationships" xmlns:p="http://schemas.openxmlformats.org/presentationml/2006/main">
+  <p:cSld>
+    <p:spTree>
+      <p:nvGrpSpPr>
+        <p:cNvPr id="1" name=""/>
+        <p:cNvGrpSpPr/>
+        <p:nvPr/>
+      </p:nvGrpSpPr>
+      <p:grpSpPr>
+        <a:xfrm>
+          <a:off x="0" y="0"/>
+          <a:ext cx="0" cy="0"/>
+          <a:chOff x="0" y="0"/>
+          <a:chExt cx="0" cy="0"/>
+        </a:xfrm>
+      </p:grpSpPr>
+      <p:sp>
+        <p:nvSpPr>
+          <p:cNvPr id="3" name="제목 2"/>
+          <p:cNvSpPr>
+            <a:spLocks noGrp="1"/>
+          </p:cNvSpPr>
+          <p:nvPr>
+            <p:ph type="title"/>
+          </p:nvPr>
+        </p:nvSpPr>
+        <p:spPr/>
+        <p:txBody>
+          <a:bodyPr>
+            <a:normAutofit fontScale="90000"/>
+          </a:bodyPr>
+          <a:lstStyle/>
+          <a:p>
+            <a:r>
+              <a:rPr lang="en-US" altLang="ko-KR" dirty="0" smtClean="0"/>
+              <a:t>  Jar </a:t>
+            </a:r>
+            <a:r>
+              <a:rPr lang="ko-KR" altLang="en-US" dirty="0" smtClean="0"/>
+              <a:t>파일 명령 프롬프트에서 실행</a:t>
+            </a:r>
+            <a:endParaRPr lang="ko-KR" altLang="en-US" dirty="0"/>
+          </a:p>
+        </p:txBody>
+      </p:sp>
+      <p:sp>
+        <p:nvSpPr>
+          <p:cNvPr id="2" name="직사각형 1"/>
+          <p:cNvSpPr/>
+          <p:nvPr/>
+        </p:nvSpPr>
+        <p:spPr>
+          <a:xfrm>
+            <a:off x="1064568" y="1268760"/>
+            <a:ext cx="5688632" cy="400110"/>
+          </a:xfrm>
+          <a:prstGeom prst="rect">
+            <a:avLst/>
+          </a:prstGeom>
+        </p:spPr>
+        <p:txBody>
+          <a:bodyPr wrap="square">
+            <a:spAutoFit/>
+          </a:bodyPr>
+          <a:lstStyle/>
+          <a:p>
+            <a:pPr marL="285750" indent="-285750">
+              <a:buFont typeface="Wingdings" panose="05000000000000000000" pitchFamily="2" charset="2"/>
+              <a:buChar char="l"/>
+            </a:pPr>
+            <a:r>
+              <a:rPr lang="en-US" altLang="ko-KR" b="1" dirty="0"/>
+              <a:t>Jar</a:t>
+            </a:r>
+            <a:r>
+              <a:rPr lang="ko-KR" altLang="en-US" b="1" dirty="0"/>
+              <a:t>파일 실행 </a:t>
+            </a:r>
+            <a:r>
+              <a:rPr lang="en-US" altLang="ko-KR" dirty="0"/>
+              <a:t>: </a:t>
+            </a:r>
+            <a:r>
+              <a:rPr lang="en-US" altLang="ko-KR" sz="2000" b="1" dirty="0"/>
+              <a:t>java</a:t>
+            </a:r>
+            <a:r>
+              <a:rPr lang="ko-KR" altLang="en-US" sz="2000" b="1" dirty="0"/>
+              <a:t> </a:t>
+            </a:r>
+            <a:r>
+              <a:rPr lang="en-US" altLang="ko-KR" sz="2000" b="1" dirty="0"/>
+              <a:t>–jar</a:t>
+            </a:r>
+            <a:r>
+              <a:rPr lang="ko-KR" altLang="en-US" sz="2000" b="1" dirty="0"/>
+              <a:t> </a:t>
+            </a:r>
+            <a:r>
+              <a:rPr lang="en-US" altLang="ko-KR" sz="2000" b="1" dirty="0" smtClean="0"/>
+              <a:t>banking</a:t>
+            </a:r>
+            <a:r>
+              <a:rPr lang="en-US" altLang="ko-KR" sz="2000" b="1" dirty="0" smtClean="0"/>
+              <a:t>.jar   </a:t>
+            </a:r>
+            <a:endParaRPr lang="en-US" altLang="ko-KR" b="1" dirty="0"/>
+          </a:p>
+        </p:txBody>
+      </p:sp>
+      <p:pic>
+        <p:nvPicPr>
+          <p:cNvPr id="5" name="그림 4"/>
+          <p:cNvPicPr>
+            <a:picLocks noChangeAspect="1"/>
+          </p:cNvPicPr>
+          <p:nvPr/>
+        </p:nvPicPr>
+        <p:blipFill>
+          <a:blip r:embed="rId2">
+            <a:extLst>
+              <a:ext uri="{28A0092B-C50C-407E-A947-70E740481C1C}">
+                <a14:useLocalDpi xmlns:a14="http://schemas.microsoft.com/office/drawing/2010/main" val="0"/>
+              </a:ext>
+            </a:extLst>
+          </a:blip>
+          <a:stretch>
+            <a:fillRect/>
+          </a:stretch>
+        </p:blipFill>
+        <p:spPr>
+          <a:xfrm>
+            <a:off x="1496616" y="1844824"/>
+            <a:ext cx="5002259" cy="4373560"/>
+          </a:xfrm>
+          <a:prstGeom prst="rect">
+            <a:avLst/>
+          </a:prstGeom>
+          <a:ln>
+            <a:solidFill>
+              <a:schemeClr val="bg1">
+                <a:lumMod val="85000"/>
+              </a:schemeClr>
+            </a:solidFill>
+          </a:ln>
+        </p:spPr>
+      </p:pic>
+    </p:spTree>
+    <p:extLst>
+      <p:ext uri="{BB962C8B-B14F-4D97-AF65-F5344CB8AC3E}">
+        <p14:creationId xmlns:p14="http://schemas.microsoft.com/office/powerpoint/2010/main" val="2231052890"/>
+      </p:ext>
+    </p:extLst>
+  </p:cSld>
+  <p:clrMapOvr>
+    <a:masterClrMapping/>
+  </p:clrMapOvr>
+  <p:timing>
+    <p:tnLst>
+      <p:par>
+        <p:cTn id="1" dur="indefinite" restart="never" nodeType="tmRoot"/>
+      </p:par>
+    </p:tnLst>
+  </p:timing>
+</p:sld>
+</file>
+
+<file path=ppt/slides/slide5.xml><?xml version="1.0" encoding="utf-8"?>
+<p:sld xmlns:a="http://schemas.openxmlformats.org/drawingml/2006/main" xmlns:r="http://schemas.openxmlformats.org/officeDocument/2006/relationships" xmlns:p="http://schemas.openxmlformats.org/presentationml/2006/main">
+  <p:cSld>
+    <p:spTree>
+      <p:nvGrpSpPr>
+        <p:cNvPr id="1" name=""/>
+        <p:cNvGrpSpPr/>
+        <p:nvPr/>
+      </p:nvGrpSpPr>
+      <p:grpSpPr>
+        <a:xfrm>
+          <a:off x="0" y="0"/>
+          <a:ext cx="0" cy="0"/>
+          <a:chOff x="0" y="0"/>
+          <a:chExt cx="0" cy="0"/>
+        </a:xfrm>
+      </p:grpSpPr>
+      <p:sp>
+        <p:nvSpPr>
           <p:cNvPr id="3" name="제목 2"/>
           <p:cNvSpPr>
             <a:spLocks noGrp="1"/>
@@ -4353,7 +5394,7 @@
     </p:spTree>
     <p:extLst>
       <p:ext uri="{BB962C8B-B14F-4D97-AF65-F5344CB8AC3E}">
-        <p14:creationId xmlns:p14="http://schemas.microsoft.com/office/powerpoint/2010/main" val="988191356"/>
+        <p14:creationId xmlns:p14="http://schemas.microsoft.com/office/powerpoint/2010/main" val="1298562212"/>
       </p:ext>
     </p:extLst>
   </p:cSld>
@@ -4370,7 +5411,7 @@
 </p:sld>
 </file>
 
-<file path=ppt/slides/slide3.xml><?xml version="1.0" encoding="utf-8"?>
+<file path=ppt/slides/slide6.xml><?xml version="1.0" encoding="utf-8"?>
 <p:sld xmlns:a="http://schemas.openxmlformats.org/drawingml/2006/main" xmlns:r="http://schemas.openxmlformats.org/officeDocument/2006/relationships" xmlns:p="http://schemas.openxmlformats.org/presentationml/2006/main">
   <p:cSld>
     <p:spTree>
@@ -4404,11 +5445,7 @@
           <a:p>
             <a:r>
               <a:rPr lang="en-US" altLang="ko-KR" dirty="0" smtClean="0"/>
-              <a:t> </a:t>
-            </a:r>
-            <a:r>
-              <a:rPr lang="en-US" altLang="ko-KR" dirty="0" smtClean="0"/>
-              <a:t> </a:t>
+              <a:t>  </a:t>
             </a:r>
             <a:r>
               <a:rPr lang="ko-KR" altLang="en-US" dirty="0" smtClean="0"/>
@@ -4418,7 +5455,6 @@
               <a:rPr lang="ko-KR" altLang="en-US" dirty="0"/>
               <a:t>변환 프로그램</a:t>
             </a:r>
-            <a:endParaRPr lang="ko-KR" altLang="en-US" dirty="0"/>
           </a:p>
         </p:txBody>
       </p:sp>
@@ -4462,7 +5498,7 @@
     </p:spTree>
     <p:extLst>
       <p:ext uri="{BB962C8B-B14F-4D97-AF65-F5344CB8AC3E}">
-        <p14:creationId xmlns:p14="http://schemas.microsoft.com/office/powerpoint/2010/main" val="440318507"/>
+        <p14:creationId xmlns:p14="http://schemas.microsoft.com/office/powerpoint/2010/main" val="3558901101"/>
       </p:ext>
     </p:extLst>
   </p:cSld>
@@ -4479,764 +5515,7 @@
 </p:sld>
 </file>
 
-<file path=ppt/slides/slide4.xml><?xml version="1.0" encoding="utf-8"?>
-<p:sld xmlns:a="http://schemas.openxmlformats.org/drawingml/2006/main" xmlns:r="http://schemas.openxmlformats.org/officeDocument/2006/relationships" xmlns:p="http://schemas.openxmlformats.org/presentationml/2006/main">
-  <p:cSld>
-    <p:spTree>
-      <p:nvGrpSpPr>
-        <p:cNvPr id="1" name=""/>
-        <p:cNvGrpSpPr/>
-        <p:nvPr/>
-      </p:nvGrpSpPr>
-      <p:grpSpPr>
-        <a:xfrm>
-          <a:off x="0" y="0"/>
-          <a:ext cx="0" cy="0"/>
-          <a:chOff x="0" y="0"/>
-          <a:chExt cx="0" cy="0"/>
-        </a:xfrm>
-      </p:grpSpPr>
-      <p:pic>
-        <p:nvPicPr>
-          <p:cNvPr id="8" name="그림 7"/>
-          <p:cNvPicPr>
-            <a:picLocks noChangeAspect="1"/>
-          </p:cNvPicPr>
-          <p:nvPr/>
-        </p:nvPicPr>
-        <p:blipFill>
-          <a:blip r:embed="rId3">
-            <a:extLst>
-              <a:ext uri="{28A0092B-C50C-407E-A947-70E740481C1C}">
-                <a14:useLocalDpi xmlns:a14="http://schemas.microsoft.com/office/drawing/2010/main" val="0"/>
-              </a:ext>
-            </a:extLst>
-          </a:blip>
-          <a:stretch>
-            <a:fillRect/>
-          </a:stretch>
-        </p:blipFill>
-        <p:spPr>
-          <a:xfrm>
-            <a:off x="5539003" y="2204437"/>
-            <a:ext cx="3773703" cy="3741668"/>
-          </a:xfrm>
-          <a:prstGeom prst="rect">
-            <a:avLst/>
-          </a:prstGeom>
-          <a:ln>
-            <a:solidFill>
-              <a:schemeClr val="bg1">
-                <a:lumMod val="85000"/>
-              </a:schemeClr>
-            </a:solidFill>
-          </a:ln>
-        </p:spPr>
-      </p:pic>
-      <p:pic>
-        <p:nvPicPr>
-          <p:cNvPr id="5" name="그림 4"/>
-          <p:cNvPicPr>
-            <a:picLocks noChangeAspect="1"/>
-          </p:cNvPicPr>
-          <p:nvPr/>
-        </p:nvPicPr>
-        <p:blipFill>
-          <a:blip r:embed="rId4">
-            <a:extLst>
-              <a:ext uri="{28A0092B-C50C-407E-A947-70E740481C1C}">
-                <a14:useLocalDpi xmlns:a14="http://schemas.microsoft.com/office/drawing/2010/main" val="0"/>
-              </a:ext>
-            </a:extLst>
-          </a:blip>
-          <a:stretch>
-            <a:fillRect/>
-          </a:stretch>
-        </p:blipFill>
-        <p:spPr>
-          <a:xfrm>
-            <a:off x="1339545" y="2207321"/>
-            <a:ext cx="3689026" cy="3877884"/>
-          </a:xfrm>
-          <a:prstGeom prst="rect">
-            <a:avLst/>
-          </a:prstGeom>
-          <a:ln>
-            <a:solidFill>
-              <a:schemeClr val="bg1">
-                <a:lumMod val="85000"/>
-              </a:schemeClr>
-            </a:solidFill>
-          </a:ln>
-        </p:spPr>
-      </p:pic>
-      <p:sp>
-        <p:nvSpPr>
-          <p:cNvPr id="9" name="TextBox 8">
-            <a:extLst>
-              <a:ext uri="{FF2B5EF4-FFF2-40B4-BE49-F238E27FC236}">
-                <a16:creationId xmlns:a16="http://schemas.microsoft.com/office/drawing/2014/main" xmlns="" id="{FBC4D108-EBD0-4484-B4A7-60CD81DEA957}"/>
-              </a:ext>
-            </a:extLst>
-          </p:cNvPr>
-          <p:cNvSpPr txBox="1"/>
-          <p:nvPr/>
-        </p:nvSpPr>
-        <p:spPr>
-          <a:xfrm>
-            <a:off x="678284" y="1072884"/>
-            <a:ext cx="8667204" cy="969496"/>
-          </a:xfrm>
-          <a:prstGeom prst="rect">
-            <a:avLst/>
-          </a:prstGeom>
-          <a:noFill/>
-        </p:spPr>
-        <p:txBody>
-          <a:bodyPr wrap="square" rtlCol="0">
-            <a:spAutoFit/>
-          </a:bodyPr>
-          <a:lstStyle/>
-          <a:p>
-            <a:pPr marL="285750" indent="-285750">
-              <a:lnSpc>
-                <a:spcPct val="150000"/>
-              </a:lnSpc>
-              <a:buFont typeface="Wingdings" panose="05000000000000000000" pitchFamily="2" charset="2"/>
-              <a:buChar char="l"/>
-            </a:pPr>
-            <a:r>
-              <a:rPr lang="en-US" altLang="ko-KR" sz="2000" b="1" dirty="0" smtClean="0"/>
-              <a:t>Jar</a:t>
-            </a:r>
-            <a:r>
-              <a:rPr lang="ko-KR" altLang="en-US" sz="2000" b="1" dirty="0"/>
-              <a:t>파일 만들기</a:t>
-            </a:r>
-            <a:endParaRPr lang="en-US" altLang="ko-KR" sz="2000" b="1" dirty="0"/>
-          </a:p>
-          <a:p>
-            <a:pPr marL="371475" lvl="1">
-              <a:lnSpc>
-                <a:spcPct val="150000"/>
-              </a:lnSpc>
-            </a:pPr>
-            <a:r>
-              <a:rPr lang="ko-KR" altLang="en-US" b="1" dirty="0"/>
-              <a:t>프로젝트 이름 </a:t>
-            </a:r>
-            <a:r>
-              <a:rPr lang="en-US" altLang="ko-KR" b="1" dirty="0"/>
-              <a:t>– </a:t>
-            </a:r>
-            <a:r>
-              <a:rPr lang="ko-KR" altLang="en-US" b="1" dirty="0"/>
-              <a:t>우측마우스 </a:t>
-            </a:r>
-            <a:r>
-              <a:rPr lang="en-US" altLang="ko-KR" b="1" dirty="0"/>
-              <a:t>– Export </a:t>
-            </a:r>
-            <a:r>
-              <a:rPr lang="en-US" altLang="ko-KR" b="1" dirty="0" smtClean="0"/>
-              <a:t>– java </a:t>
-            </a:r>
-            <a:r>
-              <a:rPr lang="en-US" altLang="ko-KR" b="1" dirty="0"/>
-              <a:t>– JAR file – </a:t>
-            </a:r>
-            <a:r>
-              <a:rPr lang="en-US" altLang="ko-KR" b="1" dirty="0">
-                <a:solidFill>
-                  <a:srgbClr val="C00000"/>
-                </a:solidFill>
-              </a:rPr>
-              <a:t>1, 2, 3 </a:t>
-            </a:r>
-            <a:r>
-              <a:rPr lang="ko-KR" altLang="en-US" b="1" dirty="0"/>
-              <a:t>순서로 </a:t>
-            </a:r>
-            <a:r>
-              <a:rPr lang="ko-KR" altLang="en-US" b="1" dirty="0" smtClean="0"/>
-              <a:t>진행</a:t>
-            </a:r>
-            <a:endParaRPr lang="en-US" altLang="ko-KR" b="1" dirty="0"/>
-          </a:p>
-        </p:txBody>
-      </p:sp>
-      <p:sp>
-        <p:nvSpPr>
-          <p:cNvPr id="6" name="사각형: 둥근 모서리 5">
-            <a:extLst>
-              <a:ext uri="{FF2B5EF4-FFF2-40B4-BE49-F238E27FC236}">
-                <a16:creationId xmlns:a16="http://schemas.microsoft.com/office/drawing/2014/main" xmlns="" id="{7DA0A7D0-9973-478D-8AC2-0E534F8EA7F6}"/>
-              </a:ext>
-            </a:extLst>
-          </p:cNvPr>
-          <p:cNvSpPr/>
-          <p:nvPr/>
-        </p:nvSpPr>
-        <p:spPr>
-          <a:xfrm>
-            <a:off x="3080792" y="2985849"/>
-            <a:ext cx="1296144" cy="265826"/>
-          </a:xfrm>
-          <a:prstGeom prst="roundRect">
-            <a:avLst/>
-          </a:prstGeom>
-          <a:noFill/>
-          <a:ln>
-            <a:solidFill>
-              <a:srgbClr val="C00000"/>
-            </a:solidFill>
-            <a:prstDash val="sysDash"/>
-          </a:ln>
-        </p:spPr>
-        <p:style>
-          <a:lnRef idx="2">
-            <a:schemeClr val="accent1">
-              <a:shade val="50000"/>
-            </a:schemeClr>
-          </a:lnRef>
-          <a:fillRef idx="1">
-            <a:schemeClr val="accent1"/>
-          </a:fillRef>
-          <a:effectRef idx="0">
-            <a:schemeClr val="accent1"/>
-          </a:effectRef>
-          <a:fontRef idx="minor">
-            <a:schemeClr val="lt1"/>
-          </a:fontRef>
-        </p:style>
-        <p:txBody>
-          <a:bodyPr rtlCol="0" anchor="ctr"/>
-          <a:lstStyle/>
-          <a:p>
-            <a:pPr algn="ctr"/>
-            <a:endParaRPr lang="ko-KR" altLang="en-US" sz="1463"/>
-          </a:p>
-        </p:txBody>
-      </p:sp>
-      <p:sp>
-        <p:nvSpPr>
-          <p:cNvPr id="7" name="TextBox 6">
-            <a:extLst>
-              <a:ext uri="{FF2B5EF4-FFF2-40B4-BE49-F238E27FC236}">
-                <a16:creationId xmlns:a16="http://schemas.microsoft.com/office/drawing/2014/main" xmlns="" id="{D46DD618-61E0-4F40-B204-242CFAF546A3}"/>
-              </a:ext>
-            </a:extLst>
-          </p:cNvPr>
-          <p:cNvSpPr txBox="1"/>
-          <p:nvPr/>
-        </p:nvSpPr>
-        <p:spPr>
-          <a:xfrm>
-            <a:off x="2245406" y="3429000"/>
-            <a:ext cx="907394" cy="317459"/>
-          </a:xfrm>
-          <a:prstGeom prst="rect">
-            <a:avLst/>
-          </a:prstGeom>
-          <a:noFill/>
-        </p:spPr>
-        <p:txBody>
-          <a:bodyPr wrap="square" rtlCol="0">
-            <a:spAutoFit/>
-          </a:bodyPr>
-          <a:lstStyle/>
-          <a:p>
-            <a:r>
-              <a:rPr lang="ko-KR" altLang="en-US" sz="1463" smtClean="0">
-                <a:solidFill>
-                  <a:srgbClr val="C00000"/>
-                </a:solidFill>
-              </a:rPr>
-              <a:t>① 선택</a:t>
-            </a:r>
-            <a:endParaRPr lang="ko-KR" altLang="en-US" sz="1463" dirty="0">
-              <a:solidFill>
-                <a:srgbClr val="C00000"/>
-              </a:solidFill>
-            </a:endParaRPr>
-          </a:p>
-        </p:txBody>
-      </p:sp>
-      <p:sp>
-        <p:nvSpPr>
-          <p:cNvPr id="10" name="사각형: 둥근 모서리 9">
-            <a:extLst>
-              <a:ext uri="{FF2B5EF4-FFF2-40B4-BE49-F238E27FC236}">
-                <a16:creationId xmlns:a16="http://schemas.microsoft.com/office/drawing/2014/main" xmlns="" id="{4A5CE167-0EE4-46C4-A7D1-10977995114E}"/>
-              </a:ext>
-            </a:extLst>
-          </p:cNvPr>
-          <p:cNvSpPr/>
-          <p:nvPr/>
-        </p:nvSpPr>
-        <p:spPr>
-          <a:xfrm>
-            <a:off x="1695476" y="5006094"/>
-            <a:ext cx="1385315" cy="265826"/>
-          </a:xfrm>
-          <a:prstGeom prst="roundRect">
-            <a:avLst/>
-          </a:prstGeom>
-          <a:noFill/>
-          <a:ln>
-            <a:solidFill>
-              <a:srgbClr val="C00000"/>
-            </a:solidFill>
-            <a:prstDash val="sysDash"/>
-          </a:ln>
-        </p:spPr>
-        <p:style>
-          <a:lnRef idx="2">
-            <a:schemeClr val="accent1">
-              <a:shade val="50000"/>
-            </a:schemeClr>
-          </a:lnRef>
-          <a:fillRef idx="1">
-            <a:schemeClr val="accent1"/>
-          </a:fillRef>
-          <a:effectRef idx="0">
-            <a:schemeClr val="accent1"/>
-          </a:effectRef>
-          <a:fontRef idx="minor">
-            <a:schemeClr val="lt1"/>
-          </a:fontRef>
-        </p:style>
-        <p:txBody>
-          <a:bodyPr rtlCol="0" anchor="ctr"/>
-          <a:lstStyle/>
-          <a:p>
-            <a:pPr algn="ctr"/>
-            <a:endParaRPr lang="ko-KR" altLang="en-US" sz="1463"/>
-          </a:p>
-        </p:txBody>
-      </p:sp>
-      <p:sp>
-        <p:nvSpPr>
-          <p:cNvPr id="11" name="TextBox 10">
-            <a:extLst>
-              <a:ext uri="{FF2B5EF4-FFF2-40B4-BE49-F238E27FC236}">
-                <a16:creationId xmlns:a16="http://schemas.microsoft.com/office/drawing/2014/main" xmlns="" id="{B4CBA4CB-1850-4BEE-B85B-1E0EB9C23827}"/>
-              </a:ext>
-            </a:extLst>
-          </p:cNvPr>
-          <p:cNvSpPr txBox="1"/>
-          <p:nvPr/>
-        </p:nvSpPr>
-        <p:spPr>
-          <a:xfrm>
-            <a:off x="4016896" y="5271920"/>
-            <a:ext cx="887352" cy="317459"/>
-          </a:xfrm>
-          <a:prstGeom prst="rect">
-            <a:avLst/>
-          </a:prstGeom>
-          <a:noFill/>
-        </p:spPr>
-        <p:txBody>
-          <a:bodyPr wrap="square" rtlCol="0">
-            <a:spAutoFit/>
-          </a:bodyPr>
-          <a:lstStyle/>
-          <a:p>
-            <a:r>
-              <a:rPr lang="ko-KR" altLang="en-US" sz="1463" dirty="0" smtClean="0">
-                <a:solidFill>
-                  <a:srgbClr val="C00000"/>
-                </a:solidFill>
-              </a:rPr>
-              <a:t>② </a:t>
-            </a:r>
-            <a:r>
-              <a:rPr lang="ko-KR" altLang="en-US" sz="1400" dirty="0" smtClean="0">
-                <a:solidFill>
-                  <a:srgbClr val="C00000"/>
-                </a:solidFill>
-              </a:rPr>
-              <a:t>클</a:t>
-            </a:r>
-            <a:r>
-              <a:rPr lang="ko-KR" altLang="en-US" sz="1400" dirty="0">
-                <a:solidFill>
-                  <a:srgbClr val="C00000"/>
-                </a:solidFill>
-              </a:rPr>
-              <a:t>릭</a:t>
-            </a:r>
-          </a:p>
-        </p:txBody>
-      </p:sp>
-      <p:sp>
-        <p:nvSpPr>
-          <p:cNvPr id="21" name="사각형: 둥근 모서리 20">
-            <a:extLst>
-              <a:ext uri="{FF2B5EF4-FFF2-40B4-BE49-F238E27FC236}">
-                <a16:creationId xmlns:a16="http://schemas.microsoft.com/office/drawing/2014/main" xmlns="" id="{4B1F5F0F-9BA0-4481-9F91-2FE1194C80F7}"/>
-              </a:ext>
-            </a:extLst>
-          </p:cNvPr>
-          <p:cNvSpPr/>
-          <p:nvPr/>
-        </p:nvSpPr>
-        <p:spPr>
-          <a:xfrm>
-            <a:off x="6033120" y="5484994"/>
-            <a:ext cx="1800200" cy="265826"/>
-          </a:xfrm>
-          <a:prstGeom prst="roundRect">
-            <a:avLst/>
-          </a:prstGeom>
-          <a:noFill/>
-          <a:ln>
-            <a:solidFill>
-              <a:srgbClr val="C00000"/>
-            </a:solidFill>
-            <a:prstDash val="sysDash"/>
-          </a:ln>
-        </p:spPr>
-        <p:style>
-          <a:lnRef idx="2">
-            <a:schemeClr val="accent1">
-              <a:shade val="50000"/>
-            </a:schemeClr>
-          </a:lnRef>
-          <a:fillRef idx="1">
-            <a:schemeClr val="accent1"/>
-          </a:fillRef>
-          <a:effectRef idx="0">
-            <a:schemeClr val="accent1"/>
-          </a:effectRef>
-          <a:fontRef idx="minor">
-            <a:schemeClr val="lt1"/>
-          </a:fontRef>
-        </p:style>
-        <p:txBody>
-          <a:bodyPr rtlCol="0" anchor="ctr"/>
-          <a:lstStyle/>
-          <a:p>
-            <a:pPr algn="ctr"/>
-            <a:endParaRPr lang="ko-KR" altLang="en-US" sz="1463"/>
-          </a:p>
-        </p:txBody>
-      </p:sp>
-      <p:sp>
-        <p:nvSpPr>
-          <p:cNvPr id="22" name="TextBox 21">
-            <a:extLst>
-              <a:ext uri="{FF2B5EF4-FFF2-40B4-BE49-F238E27FC236}">
-                <a16:creationId xmlns:a16="http://schemas.microsoft.com/office/drawing/2014/main" xmlns="" id="{A51F743E-9E23-49EA-803E-E3F5A0CA8B5B}"/>
-              </a:ext>
-            </a:extLst>
-          </p:cNvPr>
-          <p:cNvSpPr txBox="1"/>
-          <p:nvPr/>
-        </p:nvSpPr>
-        <p:spPr>
-          <a:xfrm>
-            <a:off x="8409384" y="5211516"/>
-            <a:ext cx="903322" cy="317459"/>
-          </a:xfrm>
-          <a:prstGeom prst="rect">
-            <a:avLst/>
-          </a:prstGeom>
-          <a:noFill/>
-        </p:spPr>
-        <p:txBody>
-          <a:bodyPr wrap="square" rtlCol="0">
-            <a:spAutoFit/>
-          </a:bodyPr>
-          <a:lstStyle/>
-          <a:p>
-            <a:r>
-              <a:rPr lang="ko-KR" altLang="en-US" sz="1463" dirty="0" smtClean="0">
-                <a:solidFill>
-                  <a:srgbClr val="C00000"/>
-                </a:solidFill>
-              </a:rPr>
-              <a:t>③ 클</a:t>
-            </a:r>
-            <a:r>
-              <a:rPr lang="ko-KR" altLang="en-US" sz="1463" dirty="0">
-                <a:solidFill>
-                  <a:srgbClr val="C00000"/>
-                </a:solidFill>
-              </a:rPr>
-              <a:t>릭</a:t>
-            </a:r>
-          </a:p>
-        </p:txBody>
-      </p:sp>
-      <p:sp>
-        <p:nvSpPr>
-          <p:cNvPr id="2" name="TextBox 1"/>
-          <p:cNvSpPr txBox="1"/>
-          <p:nvPr/>
-        </p:nvSpPr>
-        <p:spPr>
-          <a:xfrm>
-            <a:off x="3296816" y="5528975"/>
-            <a:ext cx="2021360" cy="267446"/>
-          </a:xfrm>
-          <a:prstGeom prst="rect">
-            <a:avLst/>
-          </a:prstGeom>
-        </p:spPr>
-        <p:style>
-          <a:lnRef idx="2">
-            <a:schemeClr val="dk1"/>
-          </a:lnRef>
-          <a:fillRef idx="1">
-            <a:schemeClr val="lt1"/>
-          </a:fillRef>
-          <a:effectRef idx="0">
-            <a:schemeClr val="dk1"/>
-          </a:effectRef>
-          <a:fontRef idx="minor">
-            <a:schemeClr val="dk1"/>
-          </a:fontRef>
-        </p:style>
-        <p:txBody>
-          <a:bodyPr wrap="square" rtlCol="0">
-            <a:spAutoFit/>
-          </a:bodyPr>
-          <a:lstStyle/>
-          <a:p>
-            <a:r>
-              <a:rPr lang="ko-KR" altLang="en-US" sz="1138" dirty="0"/>
-              <a:t>경로에</a:t>
-            </a:r>
-            <a:r>
-              <a:rPr lang="en-US" altLang="ko-KR" sz="1138" dirty="0"/>
-              <a:t> </a:t>
-            </a:r>
-            <a:r>
-              <a:rPr lang="en-US" altLang="ko-KR" sz="1138" dirty="0" smtClean="0"/>
-              <a:t>exchange.jar</a:t>
-            </a:r>
-            <a:r>
-              <a:rPr lang="ko-KR" altLang="en-US" sz="1138" dirty="0"/>
-              <a:t>로 저장</a:t>
-            </a:r>
-          </a:p>
-        </p:txBody>
-      </p:sp>
-      <p:sp>
-        <p:nvSpPr>
-          <p:cNvPr id="3" name="제목 2"/>
-          <p:cNvSpPr>
-            <a:spLocks noGrp="1"/>
-          </p:cNvSpPr>
-          <p:nvPr>
-            <p:ph type="title"/>
-          </p:nvPr>
-        </p:nvSpPr>
-        <p:spPr/>
-        <p:txBody>
-          <a:bodyPr/>
-          <a:lstStyle/>
-          <a:p>
-            <a:r>
-              <a:rPr lang="en-US" altLang="ko-KR" dirty="0" smtClean="0"/>
-              <a:t> </a:t>
-            </a:r>
-            <a:r>
-              <a:rPr lang="en-US" altLang="ko-KR" dirty="0" smtClean="0"/>
-              <a:t> exchangeRate.jar </a:t>
-            </a:r>
-            <a:r>
-              <a:rPr lang="ko-KR" altLang="en-US" dirty="0" smtClean="0"/>
-              <a:t>배포</a:t>
-            </a:r>
-            <a:endParaRPr lang="ko-KR" altLang="en-US" dirty="0"/>
-          </a:p>
-        </p:txBody>
-      </p:sp>
-    </p:spTree>
-    <p:extLst>
-      <p:ext uri="{BB962C8B-B14F-4D97-AF65-F5344CB8AC3E}">
-        <p14:creationId xmlns:p14="http://schemas.microsoft.com/office/powerpoint/2010/main" val="1061072525"/>
-      </p:ext>
-    </p:extLst>
-  </p:cSld>
-  <p:clrMapOvr>
-    <a:masterClrMapping/>
-  </p:clrMapOvr>
-  <p:timing>
-    <p:tnLst>
-      <p:par>
-        <p:cTn id="1" dur="indefinite" restart="never" nodeType="tmRoot"/>
-      </p:par>
-    </p:tnLst>
-  </p:timing>
-</p:sld>
-</file>
-
-<file path=ppt/slides/slide5.xml><?xml version="1.0" encoding="utf-8"?>
-<p:sld xmlns:a="http://schemas.openxmlformats.org/drawingml/2006/main" xmlns:r="http://schemas.openxmlformats.org/officeDocument/2006/relationships" xmlns:p="http://schemas.openxmlformats.org/presentationml/2006/main">
-  <p:cSld>
-    <p:spTree>
-      <p:nvGrpSpPr>
-        <p:cNvPr id="1" name=""/>
-        <p:cNvGrpSpPr/>
-        <p:nvPr/>
-      </p:nvGrpSpPr>
-      <p:grpSpPr>
-        <a:xfrm>
-          <a:off x="0" y="0"/>
-          <a:ext cx="0" cy="0"/>
-          <a:chOff x="0" y="0"/>
-          <a:chExt cx="0" cy="0"/>
-        </a:xfrm>
-      </p:grpSpPr>
-      <p:sp>
-        <p:nvSpPr>
-          <p:cNvPr id="3" name="제목 2"/>
-          <p:cNvSpPr>
-            <a:spLocks noGrp="1"/>
-          </p:cNvSpPr>
-          <p:nvPr>
-            <p:ph type="title"/>
-          </p:nvPr>
-        </p:nvSpPr>
-        <p:spPr/>
-        <p:txBody>
-          <a:bodyPr>
-            <a:normAutofit fontScale="90000"/>
-          </a:bodyPr>
-          <a:lstStyle/>
-          <a:p>
-            <a:r>
-              <a:rPr lang="en-US" altLang="ko-KR" dirty="0" smtClean="0"/>
-              <a:t> </a:t>
-            </a:r>
-            <a:r>
-              <a:rPr lang="en-US" altLang="ko-KR" dirty="0" smtClean="0"/>
-              <a:t> Jar </a:t>
-            </a:r>
-            <a:r>
-              <a:rPr lang="ko-KR" altLang="en-US" dirty="0" smtClean="0"/>
-              <a:t>파일 명령 프롬프트에서 실행</a:t>
-            </a:r>
-            <a:endParaRPr lang="ko-KR" altLang="en-US" dirty="0"/>
-          </a:p>
-        </p:txBody>
-      </p:sp>
-      <p:sp>
-        <p:nvSpPr>
-          <p:cNvPr id="2" name="직사각형 1"/>
-          <p:cNvSpPr/>
-          <p:nvPr/>
-        </p:nvSpPr>
-        <p:spPr>
-          <a:xfrm>
-            <a:off x="1064568" y="1268760"/>
-            <a:ext cx="5688632" cy="400110"/>
-          </a:xfrm>
-          <a:prstGeom prst="rect">
-            <a:avLst/>
-          </a:prstGeom>
-        </p:spPr>
-        <p:txBody>
-          <a:bodyPr wrap="square">
-            <a:spAutoFit/>
-          </a:bodyPr>
-          <a:lstStyle/>
-          <a:p>
-            <a:pPr marL="285750" indent="-285750">
-              <a:buFont typeface="Wingdings" panose="05000000000000000000" pitchFamily="2" charset="2"/>
-              <a:buChar char="l"/>
-            </a:pPr>
-            <a:r>
-              <a:rPr lang="en-US" altLang="ko-KR" b="1" dirty="0"/>
-              <a:t>Jar</a:t>
-            </a:r>
-            <a:r>
-              <a:rPr lang="ko-KR" altLang="en-US" b="1" dirty="0"/>
-              <a:t>파일 실행 </a:t>
-            </a:r>
-            <a:r>
-              <a:rPr lang="en-US" altLang="ko-KR" dirty="0"/>
-              <a:t>: </a:t>
-            </a:r>
-            <a:r>
-              <a:rPr lang="en-US" altLang="ko-KR" sz="2000" b="1" dirty="0"/>
-              <a:t>java</a:t>
-            </a:r>
-            <a:r>
-              <a:rPr lang="ko-KR" altLang="en-US" sz="2000" b="1" dirty="0"/>
-              <a:t> </a:t>
-            </a:r>
-            <a:r>
-              <a:rPr lang="en-US" altLang="ko-KR" sz="2000" b="1" dirty="0"/>
-              <a:t>–jar</a:t>
-            </a:r>
-            <a:r>
-              <a:rPr lang="ko-KR" altLang="en-US" sz="2000" b="1" dirty="0"/>
-              <a:t> </a:t>
-            </a:r>
-            <a:r>
-              <a:rPr lang="en-US" altLang="ko-KR" sz="2000" b="1" dirty="0" smtClean="0"/>
-              <a:t>exchangeRate.jar   </a:t>
-            </a:r>
-            <a:endParaRPr lang="en-US" altLang="ko-KR" b="1" dirty="0"/>
-          </a:p>
-        </p:txBody>
-      </p:sp>
-      <p:pic>
-        <p:nvPicPr>
-          <p:cNvPr id="4" name="그림 3"/>
-          <p:cNvPicPr>
-            <a:picLocks noChangeAspect="1"/>
-          </p:cNvPicPr>
-          <p:nvPr/>
-        </p:nvPicPr>
-        <p:blipFill>
-          <a:blip r:embed="rId2">
-            <a:extLst>
-              <a:ext uri="{28A0092B-C50C-407E-A947-70E740481C1C}">
-                <a14:useLocalDpi xmlns:a14="http://schemas.microsoft.com/office/drawing/2010/main" val="0"/>
-              </a:ext>
-            </a:extLst>
-          </a:blip>
-          <a:stretch>
-            <a:fillRect/>
-          </a:stretch>
-        </p:blipFill>
-        <p:spPr>
-          <a:xfrm>
-            <a:off x="2144688" y="1916832"/>
-            <a:ext cx="3689842" cy="3824262"/>
-          </a:xfrm>
-          <a:prstGeom prst="rect">
-            <a:avLst/>
-          </a:prstGeom>
-        </p:spPr>
-      </p:pic>
-    </p:spTree>
-    <p:extLst>
-      <p:ext uri="{BB962C8B-B14F-4D97-AF65-F5344CB8AC3E}">
-        <p14:creationId xmlns:p14="http://schemas.microsoft.com/office/powerpoint/2010/main" val="2231052890"/>
-      </p:ext>
-    </p:extLst>
-  </p:cSld>
-  <p:clrMapOvr>
-    <a:masterClrMapping/>
-  </p:clrMapOvr>
-  <p:timing>
-    <p:tnLst>
-      <p:par>
-        <p:cTn id="1" dur="indefinite" restart="never" nodeType="tmRoot"/>
-      </p:par>
-    </p:tnLst>
-  </p:timing>
-</p:sld>
-</file>
-
-<file path=ppt/slides/slide6.xml><?xml version="1.0" encoding="utf-8"?>
+<file path=ppt/slides/slide7.xml><?xml version="1.0" encoding="utf-8"?>
 <p:sld xmlns:a="http://schemas.openxmlformats.org/drawingml/2006/main" xmlns:r="http://schemas.openxmlformats.org/officeDocument/2006/relationships" xmlns:p="http://schemas.openxmlformats.org/presentationml/2006/main">
   <p:cSld>
     <p:spTree>
